--- a/figures/minimap/newminimap.pptx
+++ b/figures/minimap/newminimap.pptx
@@ -6,6 +6,7 @@
   </p:sldMasterIdLst>
   <p:sldIdLst>
     <p:sldId id="256" r:id="rId2"/>
+    <p:sldId id="257" r:id="rId3"/>
   </p:sldIdLst>
   <p:sldSz cx="12192000" cy="6858000"/>
   <p:notesSz cx="6858000" cy="9144000"/>
@@ -238,7 +239,7 @@
           <a:p>
             <a:fld id="{2B0C22D7-8681-4C34-977E-92121B505CCD}" type="datetimeFigureOut">
               <a:rPr lang="da-DK" smtClean="0"/>
-              <a:t>11-05-2015</a:t>
+              <a:t>13-05-2015</a:t>
             </a:fld>
             <a:endParaRPr lang="da-DK"/>
           </a:p>
@@ -408,7 +409,7 @@
           <a:p>
             <a:fld id="{2B0C22D7-8681-4C34-977E-92121B505CCD}" type="datetimeFigureOut">
               <a:rPr lang="da-DK" smtClean="0"/>
-              <a:t>11-05-2015</a:t>
+              <a:t>13-05-2015</a:t>
             </a:fld>
             <a:endParaRPr lang="da-DK"/>
           </a:p>
@@ -588,7 +589,7 @@
           <a:p>
             <a:fld id="{2B0C22D7-8681-4C34-977E-92121B505CCD}" type="datetimeFigureOut">
               <a:rPr lang="da-DK" smtClean="0"/>
-              <a:t>11-05-2015</a:t>
+              <a:t>13-05-2015</a:t>
             </a:fld>
             <a:endParaRPr lang="da-DK"/>
           </a:p>
@@ -758,7 +759,7 @@
           <a:p>
             <a:fld id="{2B0C22D7-8681-4C34-977E-92121B505CCD}" type="datetimeFigureOut">
               <a:rPr lang="da-DK" smtClean="0"/>
-              <a:t>11-05-2015</a:t>
+              <a:t>13-05-2015</a:t>
             </a:fld>
             <a:endParaRPr lang="da-DK"/>
           </a:p>
@@ -1004,7 +1005,7 @@
           <a:p>
             <a:fld id="{2B0C22D7-8681-4C34-977E-92121B505CCD}" type="datetimeFigureOut">
               <a:rPr lang="da-DK" smtClean="0"/>
-              <a:t>11-05-2015</a:t>
+              <a:t>13-05-2015</a:t>
             </a:fld>
             <a:endParaRPr lang="da-DK"/>
           </a:p>
@@ -1236,7 +1237,7 @@
           <a:p>
             <a:fld id="{2B0C22D7-8681-4C34-977E-92121B505CCD}" type="datetimeFigureOut">
               <a:rPr lang="da-DK" smtClean="0"/>
-              <a:t>11-05-2015</a:t>
+              <a:t>13-05-2015</a:t>
             </a:fld>
             <a:endParaRPr lang="da-DK"/>
           </a:p>
@@ -1603,7 +1604,7 @@
           <a:p>
             <a:fld id="{2B0C22D7-8681-4C34-977E-92121B505CCD}" type="datetimeFigureOut">
               <a:rPr lang="da-DK" smtClean="0"/>
-              <a:t>11-05-2015</a:t>
+              <a:t>13-05-2015</a:t>
             </a:fld>
             <a:endParaRPr lang="da-DK"/>
           </a:p>
@@ -1721,7 +1722,7 @@
           <a:p>
             <a:fld id="{2B0C22D7-8681-4C34-977E-92121B505CCD}" type="datetimeFigureOut">
               <a:rPr lang="da-DK" smtClean="0"/>
-              <a:t>11-05-2015</a:t>
+              <a:t>13-05-2015</a:t>
             </a:fld>
             <a:endParaRPr lang="da-DK"/>
           </a:p>
@@ -1816,7 +1817,7 @@
           <a:p>
             <a:fld id="{2B0C22D7-8681-4C34-977E-92121B505CCD}" type="datetimeFigureOut">
               <a:rPr lang="da-DK" smtClean="0"/>
-              <a:t>11-05-2015</a:t>
+              <a:t>13-05-2015</a:t>
             </a:fld>
             <a:endParaRPr lang="da-DK"/>
           </a:p>
@@ -2093,7 +2094,7 @@
           <a:p>
             <a:fld id="{2B0C22D7-8681-4C34-977E-92121B505CCD}" type="datetimeFigureOut">
               <a:rPr lang="da-DK" smtClean="0"/>
-              <a:t>11-05-2015</a:t>
+              <a:t>13-05-2015</a:t>
             </a:fld>
             <a:endParaRPr lang="da-DK"/>
           </a:p>
@@ -2346,7 +2347,7 @@
           <a:p>
             <a:fld id="{2B0C22D7-8681-4C34-977E-92121B505CCD}" type="datetimeFigureOut">
               <a:rPr lang="da-DK" smtClean="0"/>
-              <a:t>11-05-2015</a:t>
+              <a:t>13-05-2015</a:t>
             </a:fld>
             <a:endParaRPr lang="da-DK"/>
           </a:p>
@@ -2559,7 +2560,7 @@
           <a:p>
             <a:fld id="{2B0C22D7-8681-4C34-977E-92121B505CCD}" type="datetimeFigureOut">
               <a:rPr lang="da-DK" smtClean="0"/>
-              <a:t>11-05-2015</a:t>
+              <a:t>13-05-2015</a:t>
             </a:fld>
             <a:endParaRPr lang="da-DK"/>
           </a:p>
@@ -3004,7 +3005,7 @@
           </a:prstGeom>
           <a:ln w="57150">
             <a:solidFill>
-              <a:schemeClr val="tx1"/>
+              <a:schemeClr val="accent6"/>
             </a:solidFill>
             <a:tailEnd type="triangle"/>
           </a:ln>
@@ -3108,7 +3109,7 @@
         </p:nvSpPr>
         <p:spPr>
           <a:xfrm>
-            <a:off x="2670008" y="1225720"/>
+            <a:off x="2724664" y="1225720"/>
             <a:ext cx="1158972" cy="369332"/>
           </a:xfrm>
           <a:prstGeom prst="rect">
@@ -3139,7 +3140,9 @@
           <p:nvPr/>
         </p:nvPicPr>
         <p:blipFill>
-          <a:blip r:embed="rId2"/>
+          <a:blip r:embed="rId2">
+            <a:grayscl/>
+          </a:blip>
           <a:stretch>
             <a:fillRect/>
           </a:stretch>
@@ -3281,96 +3284,6 @@
                 </a:solidFill>
               </a:ln>
             </a:endParaRPr>
-          </a:p>
-        </p:txBody>
-      </p:sp>
-      <p:pic>
-        <p:nvPicPr>
-          <p:cNvPr id="18" name="Picture 17"/>
-          <p:cNvPicPr>
-            <a:picLocks noChangeAspect="1"/>
-          </p:cNvPicPr>
-          <p:nvPr/>
-        </p:nvPicPr>
-        <p:blipFill>
-          <a:blip r:embed="rId3"/>
-          <a:stretch>
-            <a:fillRect/>
-          </a:stretch>
-        </p:blipFill>
-        <p:spPr>
-          <a:xfrm>
-            <a:off x="8134641" y="865101"/>
-            <a:ext cx="2857500" cy="2009775"/>
-          </a:xfrm>
-          <a:prstGeom prst="rect">
-            <a:avLst/>
-          </a:prstGeom>
-        </p:spPr>
-      </p:pic>
-      <p:cxnSp>
-        <p:nvCxnSpPr>
-          <p:cNvPr id="19" name="Straight Arrow Connector 18"/>
-          <p:cNvCxnSpPr/>
-          <p:nvPr/>
-        </p:nvCxnSpPr>
-        <p:spPr>
-          <a:xfrm>
-            <a:off x="7039232" y="1762898"/>
-            <a:ext cx="720811" cy="0"/>
-          </a:xfrm>
-          <a:prstGeom prst="straightConnector1">
-            <a:avLst/>
-          </a:prstGeom>
-          <a:ln w="57150">
-            <a:solidFill>
-              <a:schemeClr val="tx1"/>
-            </a:solidFill>
-            <a:tailEnd type="triangle"/>
-          </a:ln>
-        </p:spPr>
-        <p:style>
-          <a:lnRef idx="1">
-            <a:schemeClr val="accent1"/>
-          </a:lnRef>
-          <a:fillRef idx="0">
-            <a:schemeClr val="accent1"/>
-          </a:fillRef>
-          <a:effectRef idx="0">
-            <a:schemeClr val="accent1"/>
-          </a:effectRef>
-          <a:fontRef idx="minor">
-            <a:schemeClr val="tx1"/>
-          </a:fontRef>
-        </p:style>
-      </p:cxnSp>
-      <p:sp>
-        <p:nvSpPr>
-          <p:cNvPr id="21" name="TextBox 20"/>
-          <p:cNvSpPr txBox="1"/>
-          <p:nvPr/>
-        </p:nvSpPr>
-        <p:spPr>
-          <a:xfrm>
-            <a:off x="9182133" y="495769"/>
-            <a:ext cx="762516" cy="369332"/>
-          </a:xfrm>
-          <a:prstGeom prst="rect">
-            <a:avLst/>
-          </a:prstGeom>
-          <a:noFill/>
-        </p:spPr>
-        <p:txBody>
-          <a:bodyPr wrap="none" rtlCol="0">
-            <a:spAutoFit/>
-          </a:bodyPr>
-          <a:lstStyle/>
-          <a:p>
-            <a:r>
-              <a:rPr lang="en-US" dirty="0" smtClean="0"/>
-              <a:t>Result</a:t>
-            </a:r>
-            <a:endParaRPr lang="en-US" dirty="0"/>
           </a:p>
         </p:txBody>
       </p:sp>
@@ -3521,11 +3434,6 @@
               </a:rPr>
               <a:t>X</a:t>
             </a:r>
-            <a:endParaRPr lang="da-DK" sz="1400" dirty="0">
-              <a:solidFill>
-                <a:schemeClr val="bg1"/>
-              </a:solidFill>
-            </a:endParaRPr>
           </a:p>
         </p:txBody>
       </p:sp>
@@ -3555,7 +3463,6 @@
               <a:rPr lang="da-DK" sz="1400" dirty="0"/>
               <a:t>H</a:t>
             </a:r>
-            <a:endParaRPr lang="da-DK" sz="1400" dirty="0"/>
           </a:p>
         </p:txBody>
       </p:sp>
@@ -3663,6 +3570,171 @@
           </a:p>
         </p:txBody>
       </p:sp>
+      <p:sp>
+        <p:nvSpPr>
+          <p:cNvPr id="15" name="Arc 14"/>
+          <p:cNvSpPr/>
+          <p:nvPr/>
+        </p:nvSpPr>
+        <p:spPr>
+          <a:xfrm>
+            <a:off x="1558420" y="1461913"/>
+            <a:ext cx="1721685" cy="860593"/>
+          </a:xfrm>
+          <a:prstGeom prst="arc">
+            <a:avLst>
+              <a:gd name="adj1" fmla="val 13854657"/>
+              <a:gd name="adj2" fmla="val 0"/>
+            </a:avLst>
+          </a:prstGeom>
+          <a:ln w="38100">
+            <a:solidFill>
+              <a:schemeClr val="accent6"/>
+            </a:solidFill>
+            <a:headEnd type="none" w="med" len="med"/>
+            <a:tailEnd type="triangle" w="med" len="med"/>
+          </a:ln>
+        </p:spPr>
+        <p:style>
+          <a:lnRef idx="1">
+            <a:schemeClr val="accent1"/>
+          </a:lnRef>
+          <a:fillRef idx="0">
+            <a:schemeClr val="accent1"/>
+          </a:fillRef>
+          <a:effectRef idx="0">
+            <a:schemeClr val="accent1"/>
+          </a:effectRef>
+          <a:fontRef idx="minor">
+            <a:schemeClr val="tx1"/>
+          </a:fontRef>
+        </p:style>
+        <p:txBody>
+          <a:bodyPr rtlCol="0" anchor="ctr"/>
+          <a:lstStyle/>
+          <a:p>
+            <a:pPr algn="ctr"/>
+            <a:endParaRPr lang="en-US"/>
+          </a:p>
+        </p:txBody>
+      </p:sp>
+      <p:pic>
+        <p:nvPicPr>
+          <p:cNvPr id="29" name="Picture 28"/>
+          <p:cNvPicPr>
+            <a:picLocks noChangeAspect="1"/>
+          </p:cNvPicPr>
+          <p:nvPr/>
+        </p:nvPicPr>
+        <p:blipFill rotWithShape="1">
+          <a:blip r:embed="rId2"/>
+          <a:srcRect l="29280" t="35203" r="28100" b="35203"/>
+          <a:stretch/>
+        </p:blipFill>
+        <p:spPr>
+          <a:xfrm>
+            <a:off x="5475937" y="1595052"/>
+            <a:ext cx="716240" cy="500448"/>
+          </a:xfrm>
+          <a:prstGeom prst="rect">
+            <a:avLst/>
+          </a:prstGeom>
+          <a:ln w="6350">
+            <a:solidFill>
+              <a:schemeClr val="bg1"/>
+            </a:solidFill>
+          </a:ln>
+        </p:spPr>
+      </p:pic>
+      <p:pic>
+        <p:nvPicPr>
+          <p:cNvPr id="1026" name="Picture 2" descr="C:\Users\AndersBender\AppData\Roaming\Skype\andersbender\media_messaging\media_cache\^C75C861C0FD1C9755CF372CCCD7186E38CC5145320485A89DC^pimgpsh_fullsize_distr.jpg"/>
+          <p:cNvPicPr>
+            <a:picLocks noChangeAspect="1" noChangeArrowheads="1"/>
+          </p:cNvPicPr>
+          <p:nvPr/>
+        </p:nvPicPr>
+        <p:blipFill>
+          <a:blip r:embed="rId3">
+            <a:extLst>
+              <a:ext uri="{28A0092B-C50C-407E-A947-70E740481C1C}">
+                <a14:useLocalDpi xmlns:a14="http://schemas.microsoft.com/office/drawing/2010/main" val="0"/>
+              </a:ext>
+            </a:extLst>
+          </a:blip>
+          <a:srcRect/>
+          <a:stretch>
+            <a:fillRect/>
+          </a:stretch>
+        </p:blipFill>
+        <p:spPr bwMode="auto">
+          <a:xfrm>
+            <a:off x="8207287" y="788525"/>
+            <a:ext cx="3643305" cy="1948745"/>
+          </a:xfrm>
+          <a:prstGeom prst="rect">
+            <a:avLst/>
+          </a:prstGeom>
+          <a:noFill/>
+          <a:extLst>
+            <a:ext uri="{909E8E84-426E-40DD-AFC4-6F175D3DCCD1}">
+              <a14:hiddenFill xmlns:a14="http://schemas.microsoft.com/office/drawing/2010/main">
+                <a:solidFill>
+                  <a:srgbClr val="FFFFFF"/>
+                </a:solidFill>
+              </a14:hiddenFill>
+            </a:ext>
+          </a:extLst>
+        </p:spPr>
+      </p:pic>
+      <p:sp>
+        <p:nvSpPr>
+          <p:cNvPr id="34" name="Arc 33"/>
+          <p:cNvSpPr/>
+          <p:nvPr/>
+        </p:nvSpPr>
+        <p:spPr>
+          <a:xfrm>
+            <a:off x="6092667" y="1549028"/>
+            <a:ext cx="2764730" cy="673586"/>
+          </a:xfrm>
+          <a:prstGeom prst="arc">
+            <a:avLst>
+              <a:gd name="adj1" fmla="val 11305122"/>
+              <a:gd name="adj2" fmla="val 0"/>
+            </a:avLst>
+          </a:prstGeom>
+          <a:ln w="57150">
+            <a:solidFill>
+              <a:schemeClr val="accent6"/>
+            </a:solidFill>
+            <a:headEnd type="none" w="med" len="med"/>
+            <a:tailEnd type="triangle" w="med" len="med"/>
+          </a:ln>
+        </p:spPr>
+        <p:style>
+          <a:lnRef idx="1">
+            <a:schemeClr val="accent1"/>
+          </a:lnRef>
+          <a:fillRef idx="0">
+            <a:schemeClr val="accent1"/>
+          </a:fillRef>
+          <a:effectRef idx="0">
+            <a:schemeClr val="accent1"/>
+          </a:effectRef>
+          <a:fontRef idx="minor">
+            <a:schemeClr val="tx1"/>
+          </a:fontRef>
+        </p:style>
+        <p:txBody>
+          <a:bodyPr rtlCol="0" anchor="ctr"/>
+          <a:lstStyle/>
+          <a:p>
+            <a:pPr algn="ctr"/>
+            <a:endParaRPr lang="en-US"/>
+          </a:p>
+        </p:txBody>
+      </p:sp>
     </p:spTree>
     <p:extLst>
       <p:ext uri="{BB962C8B-B14F-4D97-AF65-F5344CB8AC3E}">
@@ -3680,6 +3752,568 @@
       </p:par>
     </p:tnLst>
   </p:timing>
+</p:sld>
+</file>
+
+<file path=ppt/slides/slide2.xml><?xml version="1.0" encoding="utf-8"?>
+<p:sld xmlns:a="http://schemas.openxmlformats.org/drawingml/2006/main" xmlns:r="http://schemas.openxmlformats.org/officeDocument/2006/relationships" xmlns:p="http://schemas.openxmlformats.org/presentationml/2006/main">
+  <p:cSld>
+    <p:spTree>
+      <p:nvGrpSpPr>
+        <p:cNvPr id="1" name=""/>
+        <p:cNvGrpSpPr/>
+        <p:nvPr/>
+      </p:nvGrpSpPr>
+      <p:grpSpPr>
+        <a:xfrm>
+          <a:off x="0" y="0"/>
+          <a:ext cx="0" cy="0"/>
+          <a:chOff x="0" y="0"/>
+          <a:chExt cx="0" cy="0"/>
+        </a:xfrm>
+      </p:grpSpPr>
+      <p:pic>
+        <p:nvPicPr>
+          <p:cNvPr id="4" name="Picture 3"/>
+          <p:cNvPicPr>
+            <a:picLocks noChangeAspect="1"/>
+          </p:cNvPicPr>
+          <p:nvPr/>
+        </p:nvPicPr>
+        <p:blipFill>
+          <a:blip r:embed="rId2"/>
+          <a:stretch>
+            <a:fillRect/>
+          </a:stretch>
+        </p:blipFill>
+        <p:spPr>
+          <a:xfrm>
+            <a:off x="580306" y="1225720"/>
+            <a:ext cx="2857500" cy="2009775"/>
+          </a:xfrm>
+          <a:prstGeom prst="rect">
+            <a:avLst/>
+          </a:prstGeom>
+        </p:spPr>
+      </p:pic>
+      <p:sp>
+        <p:nvSpPr>
+          <p:cNvPr id="5" name="TextBox 4"/>
+          <p:cNvSpPr txBox="1"/>
+          <p:nvPr/>
+        </p:nvSpPr>
+        <p:spPr>
+          <a:xfrm>
+            <a:off x="1495934" y="777069"/>
+            <a:ext cx="1026243" cy="369332"/>
+          </a:xfrm>
+          <a:prstGeom prst="rect">
+            <a:avLst/>
+          </a:prstGeom>
+          <a:noFill/>
+        </p:spPr>
+        <p:txBody>
+          <a:bodyPr wrap="none" rtlCol="0">
+            <a:spAutoFit/>
+          </a:bodyPr>
+          <a:lstStyle/>
+          <a:p>
+            <a:r>
+              <a:rPr lang="en-US" dirty="0" smtClean="0"/>
+              <a:t>Minimap</a:t>
+            </a:r>
+            <a:endParaRPr lang="en-US" dirty="0"/>
+          </a:p>
+        </p:txBody>
+      </p:sp>
+      <p:sp>
+        <p:nvSpPr>
+          <p:cNvPr id="6" name="TextBox 5"/>
+          <p:cNvSpPr txBox="1"/>
+          <p:nvPr/>
+        </p:nvSpPr>
+        <p:spPr>
+          <a:xfrm>
+            <a:off x="3941548" y="893679"/>
+            <a:ext cx="2701636" cy="1200329"/>
+          </a:xfrm>
+          <a:prstGeom prst="rect">
+            <a:avLst/>
+          </a:prstGeom>
+          <a:noFill/>
+        </p:spPr>
+        <p:txBody>
+          <a:bodyPr wrap="square" rtlCol="0">
+            <a:spAutoFit/>
+          </a:bodyPr>
+          <a:lstStyle/>
+          <a:p>
+            <a:r>
+              <a:rPr lang="en-US" b="1" dirty="0" smtClean="0"/>
+              <a:t>Dictionary:</a:t>
+            </a:r>
+          </a:p>
+          <a:p>
+            <a:r>
+              <a:rPr lang="en-US" dirty="0" smtClean="0"/>
+              <a:t> Key: Player  </a:t>
+            </a:r>
+            <a:endParaRPr lang="en-US" dirty="0"/>
+          </a:p>
+          <a:p>
+            <a:r>
+              <a:rPr lang="en-US" dirty="0"/>
+              <a:t> </a:t>
+            </a:r>
+            <a:r>
+              <a:rPr lang="en-US" dirty="0" smtClean="0"/>
+              <a:t>Value:  X 10 Y 20</a:t>
+            </a:r>
+          </a:p>
+          <a:p>
+            <a:endParaRPr lang="en-US" dirty="0" smtClean="0"/>
+          </a:p>
+        </p:txBody>
+      </p:sp>
+      <p:pic>
+        <p:nvPicPr>
+          <p:cNvPr id="9" name="Picture 8"/>
+          <p:cNvPicPr>
+            <a:picLocks noChangeAspect="1"/>
+          </p:cNvPicPr>
+          <p:nvPr/>
+        </p:nvPicPr>
+        <p:blipFill>
+          <a:blip r:embed="rId2"/>
+          <a:stretch>
+            <a:fillRect/>
+          </a:stretch>
+        </p:blipFill>
+        <p:spPr>
+          <a:xfrm>
+            <a:off x="594156" y="3830455"/>
+            <a:ext cx="2857500" cy="2009775"/>
+          </a:xfrm>
+          <a:prstGeom prst="rect">
+            <a:avLst/>
+          </a:prstGeom>
+        </p:spPr>
+      </p:pic>
+      <p:sp>
+        <p:nvSpPr>
+          <p:cNvPr id="10" name="TextBox 9"/>
+          <p:cNvSpPr txBox="1"/>
+          <p:nvPr/>
+        </p:nvSpPr>
+        <p:spPr>
+          <a:xfrm>
+            <a:off x="1509784" y="3381804"/>
+            <a:ext cx="1026243" cy="369332"/>
+          </a:xfrm>
+          <a:prstGeom prst="rect">
+            <a:avLst/>
+          </a:prstGeom>
+          <a:noFill/>
+        </p:spPr>
+        <p:txBody>
+          <a:bodyPr wrap="none" rtlCol="0">
+            <a:spAutoFit/>
+          </a:bodyPr>
+          <a:lstStyle/>
+          <a:p>
+            <a:r>
+              <a:rPr lang="en-US" dirty="0" smtClean="0"/>
+              <a:t>Minimap</a:t>
+            </a:r>
+            <a:endParaRPr lang="en-US" dirty="0"/>
+          </a:p>
+        </p:txBody>
+      </p:sp>
+      <p:sp>
+        <p:nvSpPr>
+          <p:cNvPr id="11" name="Rectangle 10"/>
+          <p:cNvSpPr/>
+          <p:nvPr/>
+        </p:nvSpPr>
+        <p:spPr>
+          <a:xfrm>
+            <a:off x="1246993" y="4059389"/>
+            <a:ext cx="96982" cy="96982"/>
+          </a:xfrm>
+          <a:prstGeom prst="rect">
+            <a:avLst/>
+          </a:prstGeom>
+          <a:solidFill>
+            <a:srgbClr val="FF0000"/>
+          </a:solidFill>
+          <a:ln>
+            <a:solidFill>
+              <a:srgbClr val="FF0000"/>
+            </a:solidFill>
+          </a:ln>
+        </p:spPr>
+        <p:style>
+          <a:lnRef idx="2">
+            <a:schemeClr val="accent1">
+              <a:shade val="50000"/>
+            </a:schemeClr>
+          </a:lnRef>
+          <a:fillRef idx="1">
+            <a:schemeClr val="accent1"/>
+          </a:fillRef>
+          <a:effectRef idx="0">
+            <a:schemeClr val="accent1"/>
+          </a:effectRef>
+          <a:fontRef idx="minor">
+            <a:schemeClr val="lt1"/>
+          </a:fontRef>
+        </p:style>
+        <p:txBody>
+          <a:bodyPr rtlCol="0" anchor="ctr"/>
+          <a:lstStyle/>
+          <a:p>
+            <a:pPr algn="ctr"/>
+            <a:endParaRPr lang="en-US"/>
+          </a:p>
+        </p:txBody>
+      </p:sp>
+      <p:sp>
+        <p:nvSpPr>
+          <p:cNvPr id="12" name="Rectangle 11"/>
+          <p:cNvSpPr/>
+          <p:nvPr/>
+        </p:nvSpPr>
+        <p:spPr>
+          <a:xfrm>
+            <a:off x="2536027" y="4281063"/>
+            <a:ext cx="96982" cy="96982"/>
+          </a:xfrm>
+          <a:prstGeom prst="rect">
+            <a:avLst/>
+          </a:prstGeom>
+          <a:solidFill>
+            <a:srgbClr val="FF0000"/>
+          </a:solidFill>
+          <a:ln>
+            <a:solidFill>
+              <a:srgbClr val="FF0000"/>
+            </a:solidFill>
+          </a:ln>
+        </p:spPr>
+        <p:style>
+          <a:lnRef idx="2">
+            <a:schemeClr val="accent1">
+              <a:shade val="50000"/>
+            </a:schemeClr>
+          </a:lnRef>
+          <a:fillRef idx="1">
+            <a:schemeClr val="accent1"/>
+          </a:fillRef>
+          <a:effectRef idx="0">
+            <a:schemeClr val="accent1"/>
+          </a:effectRef>
+          <a:fontRef idx="minor">
+            <a:schemeClr val="lt1"/>
+          </a:fontRef>
+        </p:style>
+        <p:txBody>
+          <a:bodyPr rtlCol="0" anchor="ctr"/>
+          <a:lstStyle/>
+          <a:p>
+            <a:pPr algn="ctr"/>
+            <a:endParaRPr lang="en-US"/>
+          </a:p>
+        </p:txBody>
+      </p:sp>
+      <p:sp>
+        <p:nvSpPr>
+          <p:cNvPr id="14" name="Rectangle 13"/>
+          <p:cNvSpPr/>
+          <p:nvPr/>
+        </p:nvSpPr>
+        <p:spPr>
+          <a:xfrm>
+            <a:off x="3837709" y="1252389"/>
+            <a:ext cx="207678" cy="196041"/>
+          </a:xfrm>
+          <a:prstGeom prst="rect">
+            <a:avLst/>
+          </a:prstGeom>
+          <a:solidFill>
+            <a:schemeClr val="accent2"/>
+          </a:solidFill>
+          <a:ln>
+            <a:noFill/>
+          </a:ln>
+        </p:spPr>
+        <p:style>
+          <a:lnRef idx="2">
+            <a:schemeClr val="accent1">
+              <a:shade val="50000"/>
+            </a:schemeClr>
+          </a:lnRef>
+          <a:fillRef idx="1">
+            <a:schemeClr val="accent1"/>
+          </a:fillRef>
+          <a:effectRef idx="0">
+            <a:schemeClr val="accent1"/>
+          </a:effectRef>
+          <a:fontRef idx="minor">
+            <a:schemeClr val="lt1"/>
+          </a:fontRef>
+        </p:style>
+        <p:txBody>
+          <a:bodyPr rtlCol="0" anchor="ctr"/>
+          <a:lstStyle/>
+          <a:p>
+            <a:pPr algn="ctr"/>
+            <a:endParaRPr lang="en-US"/>
+          </a:p>
+        </p:txBody>
+      </p:sp>
+      <p:sp>
+        <p:nvSpPr>
+          <p:cNvPr id="15" name="TextBox 14"/>
+          <p:cNvSpPr txBox="1"/>
+          <p:nvPr/>
+        </p:nvSpPr>
+        <p:spPr>
+          <a:xfrm>
+            <a:off x="3941543" y="3427152"/>
+            <a:ext cx="2701636" cy="2862322"/>
+          </a:xfrm>
+          <a:prstGeom prst="rect">
+            <a:avLst/>
+          </a:prstGeom>
+          <a:noFill/>
+        </p:spPr>
+        <p:txBody>
+          <a:bodyPr wrap="square" rtlCol="0">
+            <a:spAutoFit/>
+          </a:bodyPr>
+          <a:lstStyle/>
+          <a:p>
+            <a:r>
+              <a:rPr lang="en-US" b="1" dirty="0" smtClean="0"/>
+              <a:t>Dictionary:</a:t>
+            </a:r>
+          </a:p>
+          <a:p>
+            <a:r>
+              <a:rPr lang="en-US" dirty="0" smtClean="0"/>
+              <a:t> Key: Player </a:t>
+            </a:r>
+          </a:p>
+          <a:p>
+            <a:r>
+              <a:rPr lang="en-US" dirty="0"/>
+              <a:t> </a:t>
+            </a:r>
+            <a:r>
+              <a:rPr lang="en-US" dirty="0" smtClean="0"/>
+              <a:t>Value: X10, Y20</a:t>
+            </a:r>
+          </a:p>
+          <a:p>
+            <a:endParaRPr lang="en-US" dirty="0" smtClean="0"/>
+          </a:p>
+          <a:p>
+            <a:r>
+              <a:rPr lang="en-US" dirty="0" smtClean="0"/>
+              <a:t> Key: Enemy1 </a:t>
+            </a:r>
+            <a:endParaRPr lang="en-US" dirty="0"/>
+          </a:p>
+          <a:p>
+            <a:r>
+              <a:rPr lang="en-US" dirty="0" smtClean="0"/>
+              <a:t> Value:  X20, Y5</a:t>
+            </a:r>
+          </a:p>
+          <a:p>
+            <a:endParaRPr lang="en-US" dirty="0" smtClean="0"/>
+          </a:p>
+          <a:p>
+            <a:r>
+              <a:rPr lang="en-US" dirty="0"/>
+              <a:t> </a:t>
+            </a:r>
+            <a:r>
+              <a:rPr lang="en-US" dirty="0" smtClean="0"/>
+              <a:t>Key: Enemy2</a:t>
+            </a:r>
+          </a:p>
+          <a:p>
+            <a:r>
+              <a:rPr lang="en-US" dirty="0"/>
+              <a:t> </a:t>
+            </a:r>
+            <a:r>
+              <a:rPr lang="en-US" dirty="0" smtClean="0"/>
+              <a:t>Value:  X20, Y20 </a:t>
+            </a:r>
+          </a:p>
+          <a:p>
+            <a:endParaRPr lang="en-US" dirty="0" smtClean="0"/>
+          </a:p>
+        </p:txBody>
+      </p:sp>
+      <p:sp>
+        <p:nvSpPr>
+          <p:cNvPr id="16" name="Rectangle 15"/>
+          <p:cNvSpPr/>
+          <p:nvPr/>
+        </p:nvSpPr>
+        <p:spPr>
+          <a:xfrm>
+            <a:off x="3837704" y="3789190"/>
+            <a:ext cx="207678" cy="196041"/>
+          </a:xfrm>
+          <a:prstGeom prst="rect">
+            <a:avLst/>
+          </a:prstGeom>
+          <a:solidFill>
+            <a:schemeClr val="accent2"/>
+          </a:solidFill>
+          <a:ln>
+            <a:noFill/>
+          </a:ln>
+        </p:spPr>
+        <p:style>
+          <a:lnRef idx="2">
+            <a:schemeClr val="accent1">
+              <a:shade val="50000"/>
+            </a:schemeClr>
+          </a:lnRef>
+          <a:fillRef idx="1">
+            <a:schemeClr val="accent1"/>
+          </a:fillRef>
+          <a:effectRef idx="0">
+            <a:schemeClr val="accent1"/>
+          </a:effectRef>
+          <a:fontRef idx="minor">
+            <a:schemeClr val="lt1"/>
+          </a:fontRef>
+        </p:style>
+        <p:txBody>
+          <a:bodyPr rtlCol="0" anchor="ctr"/>
+          <a:lstStyle/>
+          <a:p>
+            <a:pPr algn="ctr"/>
+            <a:endParaRPr lang="en-US"/>
+          </a:p>
+        </p:txBody>
+      </p:sp>
+      <p:sp>
+        <p:nvSpPr>
+          <p:cNvPr id="17" name="Rectangle 16"/>
+          <p:cNvSpPr/>
+          <p:nvPr/>
+        </p:nvSpPr>
+        <p:spPr>
+          <a:xfrm>
+            <a:off x="3837704" y="5430573"/>
+            <a:ext cx="207678" cy="196041"/>
+          </a:xfrm>
+          <a:prstGeom prst="rect">
+            <a:avLst/>
+          </a:prstGeom>
+          <a:solidFill>
+            <a:srgbClr val="FF0000"/>
+          </a:solidFill>
+          <a:ln>
+            <a:noFill/>
+          </a:ln>
+        </p:spPr>
+        <p:style>
+          <a:lnRef idx="2">
+            <a:schemeClr val="accent1">
+              <a:shade val="50000"/>
+            </a:schemeClr>
+          </a:lnRef>
+          <a:fillRef idx="1">
+            <a:schemeClr val="accent1"/>
+          </a:fillRef>
+          <a:effectRef idx="0">
+            <a:schemeClr val="accent1"/>
+          </a:effectRef>
+          <a:fontRef idx="minor">
+            <a:schemeClr val="lt1"/>
+          </a:fontRef>
+        </p:style>
+        <p:txBody>
+          <a:bodyPr rtlCol="0" anchor="ctr"/>
+          <a:lstStyle/>
+          <a:p>
+            <a:pPr algn="ctr"/>
+            <a:endParaRPr lang="en-US">
+              <a:solidFill>
+                <a:srgbClr val="FF0000"/>
+              </a:solidFill>
+            </a:endParaRPr>
+          </a:p>
+        </p:txBody>
+      </p:sp>
+      <p:sp>
+        <p:nvSpPr>
+          <p:cNvPr id="19" name="Rectangle 18"/>
+          <p:cNvSpPr/>
+          <p:nvPr/>
+        </p:nvSpPr>
+        <p:spPr>
+          <a:xfrm>
+            <a:off x="3837704" y="4639300"/>
+            <a:ext cx="207678" cy="196041"/>
+          </a:xfrm>
+          <a:prstGeom prst="rect">
+            <a:avLst/>
+          </a:prstGeom>
+          <a:solidFill>
+            <a:srgbClr val="FF0000"/>
+          </a:solidFill>
+          <a:ln>
+            <a:noFill/>
+          </a:ln>
+        </p:spPr>
+        <p:style>
+          <a:lnRef idx="2">
+            <a:schemeClr val="accent1">
+              <a:shade val="50000"/>
+            </a:schemeClr>
+          </a:lnRef>
+          <a:fillRef idx="1">
+            <a:schemeClr val="accent1"/>
+          </a:fillRef>
+          <a:effectRef idx="0">
+            <a:schemeClr val="accent1"/>
+          </a:effectRef>
+          <a:fontRef idx="minor">
+            <a:schemeClr val="lt1"/>
+          </a:fontRef>
+        </p:style>
+        <p:txBody>
+          <a:bodyPr rtlCol="0" anchor="ctr"/>
+          <a:lstStyle/>
+          <a:p>
+            <a:pPr algn="ctr"/>
+            <a:endParaRPr lang="en-US">
+              <a:solidFill>
+                <a:srgbClr val="FF0000"/>
+              </a:solidFill>
+            </a:endParaRPr>
+          </a:p>
+        </p:txBody>
+      </p:sp>
+    </p:spTree>
+    <p:extLst>
+      <p:ext uri="{BB962C8B-B14F-4D97-AF65-F5344CB8AC3E}">
+        <p14:creationId xmlns:p14="http://schemas.microsoft.com/office/powerpoint/2010/main" val="3100475894"/>
+      </p:ext>
+    </p:extLst>
+  </p:cSld>
+  <p:clrMapOvr>
+    <a:masterClrMapping/>
+  </p:clrMapOvr>
 </p:sld>
 </file>
 
@@ -3938,7 +4572,7 @@
   <a:extraClrSchemeLst/>
   <a:extLst>
     <a:ext uri="{05A4C25C-085E-4340-85A3-A5531E510DB2}">
-      <thm15:themeFamily xmlns:thm15="http://schemas.microsoft.com/office/thememl/2012/main" name="Office Theme" id="{62F939B6-93AF-4DB8-9C6B-D6C7DFDC589F}" vid="{4A3C46E8-61CC-4603-A589-7422A47A8E4A}"/>
+      <thm15:themeFamily xmlns:thm15="http://schemas.microsoft.com/office/thememl/2012/main" xmlns="" name="Office Theme" id="{62F939B6-93AF-4DB8-9C6B-D6C7DFDC589F}" vid="{4A3C46E8-61CC-4603-A589-7422A47A8E4A}"/>
     </a:ext>
   </a:extLst>
 </a:theme>

--- a/figures/minimap/newminimap.pptx
+++ b/figures/minimap/newminimap.pptx
@@ -105,6 +105,22 @@
       </a:defRPr>
     </a:lvl9pPr>
   </p:defaultTextStyle>
+  <p:extLst>
+    <p:ext uri="{EFAFB233-063F-42B5-8137-9DF3F51BA10A}">
+      <p15:sldGuideLst xmlns:p15="http://schemas.microsoft.com/office/powerpoint/2012/main">
+        <p15:guide id="1" orient="horz" pos="2160">
+          <p15:clr>
+            <a:srgbClr val="A4A3A4"/>
+          </p15:clr>
+        </p15:guide>
+        <p15:guide id="2" pos="3840">
+          <p15:clr>
+            <a:srgbClr val="A4A3A4"/>
+          </p15:clr>
+        </p15:guide>
+      </p15:sldGuideLst>
+    </p:ext>
+  </p:extLst>
 </p:presentation>
 </file>
 
@@ -239,7 +255,7 @@
           <a:p>
             <a:fld id="{2B0C22D7-8681-4C34-977E-92121B505CCD}" type="datetimeFigureOut">
               <a:rPr lang="da-DK" smtClean="0"/>
-              <a:t>13-05-2015</a:t>
+              <a:t>28-05-2015</a:t>
             </a:fld>
             <a:endParaRPr lang="da-DK"/>
           </a:p>
@@ -409,7 +425,7 @@
           <a:p>
             <a:fld id="{2B0C22D7-8681-4C34-977E-92121B505CCD}" type="datetimeFigureOut">
               <a:rPr lang="da-DK" smtClean="0"/>
-              <a:t>13-05-2015</a:t>
+              <a:t>28-05-2015</a:t>
             </a:fld>
             <a:endParaRPr lang="da-DK"/>
           </a:p>
@@ -589,7 +605,7 @@
           <a:p>
             <a:fld id="{2B0C22D7-8681-4C34-977E-92121B505CCD}" type="datetimeFigureOut">
               <a:rPr lang="da-DK" smtClean="0"/>
-              <a:t>13-05-2015</a:t>
+              <a:t>28-05-2015</a:t>
             </a:fld>
             <a:endParaRPr lang="da-DK"/>
           </a:p>
@@ -759,7 +775,7 @@
           <a:p>
             <a:fld id="{2B0C22D7-8681-4C34-977E-92121B505CCD}" type="datetimeFigureOut">
               <a:rPr lang="da-DK" smtClean="0"/>
-              <a:t>13-05-2015</a:t>
+              <a:t>28-05-2015</a:t>
             </a:fld>
             <a:endParaRPr lang="da-DK"/>
           </a:p>
@@ -1005,7 +1021,7 @@
           <a:p>
             <a:fld id="{2B0C22D7-8681-4C34-977E-92121B505CCD}" type="datetimeFigureOut">
               <a:rPr lang="da-DK" smtClean="0"/>
-              <a:t>13-05-2015</a:t>
+              <a:t>28-05-2015</a:t>
             </a:fld>
             <a:endParaRPr lang="da-DK"/>
           </a:p>
@@ -1237,7 +1253,7 @@
           <a:p>
             <a:fld id="{2B0C22D7-8681-4C34-977E-92121B505CCD}" type="datetimeFigureOut">
               <a:rPr lang="da-DK" smtClean="0"/>
-              <a:t>13-05-2015</a:t>
+              <a:t>28-05-2015</a:t>
             </a:fld>
             <a:endParaRPr lang="da-DK"/>
           </a:p>
@@ -1604,7 +1620,7 @@
           <a:p>
             <a:fld id="{2B0C22D7-8681-4C34-977E-92121B505CCD}" type="datetimeFigureOut">
               <a:rPr lang="da-DK" smtClean="0"/>
-              <a:t>13-05-2015</a:t>
+              <a:t>28-05-2015</a:t>
             </a:fld>
             <a:endParaRPr lang="da-DK"/>
           </a:p>
@@ -1722,7 +1738,7 @@
           <a:p>
             <a:fld id="{2B0C22D7-8681-4C34-977E-92121B505CCD}" type="datetimeFigureOut">
               <a:rPr lang="da-DK" smtClean="0"/>
-              <a:t>13-05-2015</a:t>
+              <a:t>28-05-2015</a:t>
             </a:fld>
             <a:endParaRPr lang="da-DK"/>
           </a:p>
@@ -1817,7 +1833,7 @@
           <a:p>
             <a:fld id="{2B0C22D7-8681-4C34-977E-92121B505CCD}" type="datetimeFigureOut">
               <a:rPr lang="da-DK" smtClean="0"/>
-              <a:t>13-05-2015</a:t>
+              <a:t>28-05-2015</a:t>
             </a:fld>
             <a:endParaRPr lang="da-DK"/>
           </a:p>
@@ -2094,7 +2110,7 @@
           <a:p>
             <a:fld id="{2B0C22D7-8681-4C34-977E-92121B505CCD}" type="datetimeFigureOut">
               <a:rPr lang="da-DK" smtClean="0"/>
-              <a:t>13-05-2015</a:t>
+              <a:t>28-05-2015</a:t>
             </a:fld>
             <a:endParaRPr lang="da-DK"/>
           </a:p>
@@ -2347,7 +2363,7 @@
           <a:p>
             <a:fld id="{2B0C22D7-8681-4C34-977E-92121B505CCD}" type="datetimeFigureOut">
               <a:rPr lang="da-DK" smtClean="0"/>
-              <a:t>13-05-2015</a:t>
+              <a:t>28-05-2015</a:t>
             </a:fld>
             <a:endParaRPr lang="da-DK"/>
           </a:p>
@@ -2560,7 +2576,7 @@
           <a:p>
             <a:fld id="{2B0C22D7-8681-4C34-977E-92121B505CCD}" type="datetimeFigureOut">
               <a:rPr lang="da-DK" smtClean="0"/>
-              <a:t>13-05-2015</a:t>
+              <a:t>28-05-2015</a:t>
             </a:fld>
             <a:endParaRPr lang="da-DK"/>
           </a:p>
@@ -2965,611 +2981,300 @@
           <a:chExt cx="0" cy="0"/>
         </a:xfrm>
       </p:grpSpPr>
-      <p:pic>
-        <p:nvPicPr>
-          <p:cNvPr id="5" name="Picture 4"/>
-          <p:cNvPicPr>
-            <a:picLocks noChangeAspect="1"/>
-          </p:cNvPicPr>
+      <p:grpSp>
+        <p:nvGrpSpPr>
+          <p:cNvPr id="3" name="Group 2"/>
+          <p:cNvGrpSpPr/>
           <p:nvPr/>
-        </p:nvPicPr>
-        <p:blipFill>
-          <a:blip r:embed="rId2"/>
-          <a:stretch>
-            <a:fillRect/>
-          </a:stretch>
-        </p:blipFill>
-        <p:spPr>
+        </p:nvGrpSpPr>
+        <p:grpSpPr>
           <a:xfrm>
-            <a:off x="749641" y="999764"/>
-            <a:ext cx="1680521" cy="1691024"/>
+            <a:off x="324593" y="630431"/>
+            <a:ext cx="2390718" cy="2931073"/>
+            <a:chOff x="749641" y="630432"/>
+            <a:chExt cx="1680521" cy="2060356"/>
           </a:xfrm>
-          <a:prstGeom prst="rect">
-            <a:avLst/>
-          </a:prstGeom>
-        </p:spPr>
-      </p:pic>
-      <p:cxnSp>
-        <p:nvCxnSpPr>
-          <p:cNvPr id="7" name="Straight Arrow Connector 6"/>
-          <p:cNvCxnSpPr/>
+        </p:grpSpPr>
+        <p:pic>
+          <p:nvPicPr>
+            <p:cNvPr id="5" name="Picture 4"/>
+            <p:cNvPicPr>
+              <a:picLocks noChangeAspect="1"/>
+            </p:cNvPicPr>
+            <p:nvPr/>
+          </p:nvPicPr>
+          <p:blipFill>
+            <a:blip r:embed="rId2"/>
+            <a:stretch>
+              <a:fillRect/>
+            </a:stretch>
+          </p:blipFill>
+          <p:spPr>
+            <a:xfrm>
+              <a:off x="749641" y="999764"/>
+              <a:ext cx="1680521" cy="1691024"/>
+            </a:xfrm>
+            <a:prstGeom prst="rect">
+              <a:avLst/>
+            </a:prstGeom>
+          </p:spPr>
+        </p:pic>
+        <p:sp>
+          <p:nvSpPr>
+            <p:cNvPr id="9" name="TextBox 8"/>
+            <p:cNvSpPr txBox="1"/>
+            <p:nvPr/>
+          </p:nvSpPr>
+          <p:spPr>
+            <a:xfrm>
+              <a:off x="1150037" y="630432"/>
+              <a:ext cx="879728" cy="369332"/>
+            </a:xfrm>
+            <a:prstGeom prst="rect">
+              <a:avLst/>
+            </a:prstGeom>
+            <a:noFill/>
+          </p:spPr>
+          <p:txBody>
+            <a:bodyPr wrap="none" rtlCol="0">
+              <a:spAutoFit/>
+            </a:bodyPr>
+            <a:lstStyle/>
+            <a:p>
+              <a:r>
+                <a:rPr lang="en-US" dirty="0" smtClean="0"/>
+                <a:t>Texture</a:t>
+              </a:r>
+              <a:endParaRPr lang="en-US" dirty="0"/>
+            </a:p>
+          </p:txBody>
+        </p:sp>
+      </p:grpSp>
+      <p:grpSp>
+        <p:nvGrpSpPr>
+          <p:cNvPr id="4" name="Group 3"/>
+          <p:cNvGrpSpPr/>
           <p:nvPr/>
-        </p:nvCxnSpPr>
-        <p:spPr>
+        </p:nvGrpSpPr>
+        <p:grpSpPr>
           <a:xfrm>
-            <a:off x="4061254" y="1762898"/>
-            <a:ext cx="733168" cy="0"/>
+            <a:off x="3035908" y="1249108"/>
+            <a:ext cx="1518245" cy="1710633"/>
+            <a:chOff x="2872417" y="1225720"/>
+            <a:chExt cx="1131136" cy="1274470"/>
           </a:xfrm>
-          <a:prstGeom prst="straightConnector1">
-            <a:avLst/>
-          </a:prstGeom>
-          <a:ln w="57150">
-            <a:solidFill>
-              <a:schemeClr val="accent6"/>
-            </a:solidFill>
-            <a:tailEnd type="triangle"/>
-          </a:ln>
-        </p:spPr>
-        <p:style>
-          <a:lnRef idx="1">
-            <a:schemeClr val="accent1"/>
-          </a:lnRef>
-          <a:fillRef idx="0">
-            <a:schemeClr val="accent1"/>
-          </a:fillRef>
-          <a:effectRef idx="0">
-            <a:schemeClr val="accent1"/>
-          </a:effectRef>
-          <a:fontRef idx="minor">
-            <a:schemeClr val="tx1"/>
-          </a:fontRef>
-        </p:style>
-      </p:cxnSp>
-      <p:sp>
-        <p:nvSpPr>
-          <p:cNvPr id="8" name="Rectangle 7"/>
-          <p:cNvSpPr/>
-          <p:nvPr/>
-        </p:nvSpPr>
-        <p:spPr>
-          <a:xfrm>
-            <a:off x="2921986" y="1595052"/>
-            <a:ext cx="716239" cy="500448"/>
-          </a:xfrm>
-          <a:prstGeom prst="rect">
-            <a:avLst/>
-          </a:prstGeom>
-          <a:noFill/>
-          <a:ln>
-            <a:solidFill>
+        </p:grpSpPr>
+        <p:sp>
+          <p:nvSpPr>
+            <p:cNvPr id="8" name="Rectangle 7"/>
+            <p:cNvSpPr/>
+            <p:nvPr/>
+          </p:nvSpPr>
+          <p:spPr>
+            <a:xfrm>
+              <a:off x="2921986" y="1595052"/>
+              <a:ext cx="716239" cy="500448"/>
+            </a:xfrm>
+            <a:prstGeom prst="rect">
+              <a:avLst/>
+            </a:prstGeom>
+            <a:noFill/>
+            <a:ln>
+              <a:solidFill>
+                <a:schemeClr val="tx1"/>
+              </a:solidFill>
+            </a:ln>
+          </p:spPr>
+          <p:style>
+            <a:lnRef idx="2">
+              <a:schemeClr val="accent1">
+                <a:shade val="50000"/>
+              </a:schemeClr>
+            </a:lnRef>
+            <a:fillRef idx="1">
+              <a:schemeClr val="accent1"/>
+            </a:fillRef>
+            <a:effectRef idx="0">
+              <a:schemeClr val="accent1"/>
+            </a:effectRef>
+            <a:fontRef idx="minor">
+              <a:schemeClr val="lt1"/>
+            </a:fontRef>
+          </p:style>
+          <p:txBody>
+            <a:bodyPr rtlCol="0" anchor="ctr"/>
+            <a:lstStyle/>
+            <a:p>
+              <a:pPr algn="ctr"/>
+              <a:endParaRPr lang="da-DK"/>
+            </a:p>
+          </p:txBody>
+        </p:sp>
+        <p:sp>
+          <p:nvSpPr>
+            <p:cNvPr id="10" name="TextBox 9"/>
+            <p:cNvSpPr txBox="1"/>
+            <p:nvPr/>
+          </p:nvSpPr>
+          <p:spPr>
+            <a:xfrm>
+              <a:off x="2872417" y="1225720"/>
+              <a:ext cx="863467" cy="275163"/>
+            </a:xfrm>
+            <a:prstGeom prst="rect">
+              <a:avLst/>
+            </a:prstGeom>
+            <a:noFill/>
+          </p:spPr>
+          <p:txBody>
+            <a:bodyPr wrap="none" rtlCol="0">
+              <a:spAutoFit/>
+            </a:bodyPr>
+            <a:lstStyle/>
+            <a:p>
+              <a:pPr algn="ctr"/>
+              <a:r>
+                <a:rPr lang="en-US" dirty="0" smtClean="0"/>
+                <a:t>RawImage</a:t>
+              </a:r>
+              <a:endParaRPr lang="en-US" dirty="0"/>
+            </a:p>
+          </p:txBody>
+        </p:sp>
+        <p:sp>
+          <p:nvSpPr>
+            <p:cNvPr id="31" name="TextBox 30"/>
+            <p:cNvSpPr txBox="1"/>
+            <p:nvPr/>
+          </p:nvSpPr>
+          <p:spPr>
+            <a:xfrm>
+              <a:off x="3706677" y="1716099"/>
+              <a:ext cx="296876" cy="307777"/>
+            </a:xfrm>
+            <a:prstGeom prst="rect">
+              <a:avLst/>
+            </a:prstGeom>
+            <a:noFill/>
+          </p:spPr>
+          <p:txBody>
+            <a:bodyPr wrap="none" rtlCol="0">
+              <a:spAutoFit/>
+            </a:bodyPr>
+            <a:lstStyle/>
+            <a:p>
+              <a:r>
+                <a:rPr lang="da-DK" sz="1400" dirty="0"/>
+                <a:t>H</a:t>
+              </a:r>
+            </a:p>
+          </p:txBody>
+        </p:sp>
+        <p:cxnSp>
+          <p:nvCxnSpPr>
+            <p:cNvPr id="32" name="Straight Arrow Connector 31"/>
+            <p:cNvCxnSpPr/>
+            <p:nvPr/>
+          </p:nvCxnSpPr>
+          <p:spPr>
+            <a:xfrm flipH="1" flipV="1">
+              <a:off x="3741562" y="1595053"/>
+              <a:ext cx="8724" cy="500447"/>
+            </a:xfrm>
+            <a:prstGeom prst="straightConnector1">
+              <a:avLst/>
+            </a:prstGeom>
+            <a:ln>
+              <a:solidFill>
+                <a:schemeClr val="tx1"/>
+              </a:solidFill>
+              <a:headEnd type="triangle" w="med" len="med"/>
+              <a:tailEnd type="triangle" w="med" len="med"/>
+            </a:ln>
+          </p:spPr>
+          <p:style>
+            <a:lnRef idx="1">
+              <a:schemeClr val="accent1"/>
+            </a:lnRef>
+            <a:fillRef idx="0">
+              <a:schemeClr val="accent1"/>
+            </a:fillRef>
+            <a:effectRef idx="0">
+              <a:schemeClr val="accent1"/>
+            </a:effectRef>
+            <a:fontRef idx="minor">
               <a:schemeClr val="tx1"/>
-            </a:solidFill>
-          </a:ln>
-        </p:spPr>
-        <p:style>
-          <a:lnRef idx="2">
-            <a:schemeClr val="accent1">
-              <a:shade val="50000"/>
-            </a:schemeClr>
-          </a:lnRef>
-          <a:fillRef idx="1">
-            <a:schemeClr val="accent1"/>
-          </a:fillRef>
-          <a:effectRef idx="0">
-            <a:schemeClr val="accent1"/>
-          </a:effectRef>
-          <a:fontRef idx="minor">
-            <a:schemeClr val="lt1"/>
-          </a:fontRef>
-        </p:style>
-        <p:txBody>
-          <a:bodyPr rtlCol="0" anchor="ctr"/>
-          <a:lstStyle/>
-          <a:p>
-            <a:pPr algn="ctr"/>
-            <a:endParaRPr lang="da-DK"/>
-          </a:p>
-        </p:txBody>
-      </p:sp>
-      <p:sp>
-        <p:nvSpPr>
-          <p:cNvPr id="9" name="TextBox 8"/>
-          <p:cNvSpPr txBox="1"/>
-          <p:nvPr/>
-        </p:nvSpPr>
-        <p:spPr>
-          <a:xfrm>
-            <a:off x="1150037" y="630432"/>
-            <a:ext cx="879728" cy="369332"/>
-          </a:xfrm>
-          <a:prstGeom prst="rect">
-            <a:avLst/>
-          </a:prstGeom>
-          <a:noFill/>
-        </p:spPr>
-        <p:txBody>
-          <a:bodyPr wrap="none" rtlCol="0">
-            <a:spAutoFit/>
-          </a:bodyPr>
-          <a:lstStyle/>
-          <a:p>
-            <a:r>
-              <a:rPr lang="en-US" dirty="0" smtClean="0"/>
-              <a:t>Texture</a:t>
-            </a:r>
-            <a:endParaRPr lang="en-US" dirty="0"/>
-          </a:p>
-        </p:txBody>
-      </p:sp>
-      <p:sp>
-        <p:nvSpPr>
-          <p:cNvPr id="10" name="TextBox 9"/>
-          <p:cNvSpPr txBox="1"/>
-          <p:nvPr/>
-        </p:nvSpPr>
-        <p:spPr>
-          <a:xfrm>
-            <a:off x="2724664" y="1225720"/>
-            <a:ext cx="1158972" cy="369332"/>
-          </a:xfrm>
-          <a:prstGeom prst="rect">
-            <a:avLst/>
-          </a:prstGeom>
-          <a:noFill/>
-        </p:spPr>
-        <p:txBody>
-          <a:bodyPr wrap="none" rtlCol="0">
-            <a:spAutoFit/>
-          </a:bodyPr>
-          <a:lstStyle/>
-          <a:p>
-            <a:r>
-              <a:rPr lang="en-US" dirty="0" smtClean="0"/>
-              <a:t>RawImage</a:t>
-            </a:r>
-            <a:endParaRPr lang="en-US" dirty="0"/>
-          </a:p>
-        </p:txBody>
-      </p:sp>
-      <p:pic>
-        <p:nvPicPr>
-          <p:cNvPr id="11" name="Picture 10"/>
-          <p:cNvPicPr>
-            <a:picLocks noChangeAspect="1"/>
-          </p:cNvPicPr>
-          <p:nvPr/>
-        </p:nvPicPr>
-        <p:blipFill>
-          <a:blip r:embed="rId2">
-            <a:grayscl/>
-          </a:blip>
-          <a:stretch>
-            <a:fillRect/>
-          </a:stretch>
-        </p:blipFill>
-        <p:spPr>
-          <a:xfrm>
-            <a:off x="4984113" y="999764"/>
-            <a:ext cx="1680521" cy="1691024"/>
-          </a:xfrm>
-          <a:prstGeom prst="rect">
-            <a:avLst/>
-          </a:prstGeom>
-        </p:spPr>
-      </p:pic>
-      <p:sp>
-        <p:nvSpPr>
-          <p:cNvPr id="13" name="TextBox 12"/>
-          <p:cNvSpPr txBox="1"/>
-          <p:nvPr/>
-        </p:nvSpPr>
-        <p:spPr>
-          <a:xfrm>
-            <a:off x="5394192" y="614642"/>
-            <a:ext cx="879728" cy="369332"/>
-          </a:xfrm>
-          <a:prstGeom prst="rect">
-            <a:avLst/>
-          </a:prstGeom>
-          <a:noFill/>
-        </p:spPr>
-        <p:txBody>
-          <a:bodyPr wrap="none" rtlCol="0">
-            <a:spAutoFit/>
-          </a:bodyPr>
-          <a:lstStyle/>
-          <a:p>
-            <a:r>
-              <a:rPr lang="en-US" dirty="0" smtClean="0"/>
-              <a:t>Texture</a:t>
-            </a:r>
-            <a:endParaRPr lang="en-US" dirty="0"/>
-          </a:p>
-        </p:txBody>
-      </p:sp>
-      <p:sp>
-        <p:nvSpPr>
-          <p:cNvPr id="14" name="TextBox 13"/>
-          <p:cNvSpPr txBox="1"/>
-          <p:nvPr/>
-        </p:nvSpPr>
-        <p:spPr>
-          <a:xfrm>
-            <a:off x="5298987" y="1283273"/>
-            <a:ext cx="1158972" cy="369332"/>
-          </a:xfrm>
-          <a:prstGeom prst="rect">
-            <a:avLst/>
-          </a:prstGeom>
-          <a:noFill/>
-        </p:spPr>
-        <p:txBody>
-          <a:bodyPr wrap="none" rtlCol="0">
-            <a:spAutoFit/>
-          </a:bodyPr>
-          <a:lstStyle/>
-          <a:p>
-            <a:r>
-              <a:rPr lang="en-US" dirty="0" smtClean="0">
-                <a:ln>
-                  <a:solidFill>
-                    <a:schemeClr val="bg1"/>
-                  </a:solidFill>
-                </a:ln>
-                <a:solidFill>
-                  <a:schemeClr val="bg1"/>
-                </a:solidFill>
-              </a:rPr>
-              <a:t>RawImage</a:t>
-            </a:r>
-            <a:endParaRPr lang="en-US" dirty="0">
-              <a:ln>
-                <a:solidFill>
-                  <a:schemeClr val="bg1"/>
-                </a:solidFill>
-              </a:ln>
+            </a:fontRef>
+          </p:style>
+        </p:cxnSp>
+        <p:cxnSp>
+          <p:nvCxnSpPr>
+            <p:cNvPr id="37" name="Straight Arrow Connector 36"/>
+            <p:cNvCxnSpPr/>
+            <p:nvPr/>
+          </p:nvCxnSpPr>
+          <p:spPr>
+            <a:xfrm flipH="1">
+              <a:off x="2923930" y="2181316"/>
+              <a:ext cx="714295" cy="3085"/>
+            </a:xfrm>
+            <a:prstGeom prst="straightConnector1">
+              <a:avLst/>
+            </a:prstGeom>
+            <a:ln>
               <a:solidFill>
-                <a:schemeClr val="bg1"/>
+                <a:schemeClr val="tx1"/>
               </a:solidFill>
-            </a:endParaRPr>
-          </a:p>
-        </p:txBody>
-      </p:sp>
-      <p:sp>
-        <p:nvSpPr>
-          <p:cNvPr id="16" name="Rectangle 15"/>
-          <p:cNvSpPr/>
-          <p:nvPr/>
-        </p:nvSpPr>
-        <p:spPr>
-          <a:xfrm>
-            <a:off x="5475937" y="1595052"/>
-            <a:ext cx="716239" cy="500448"/>
-          </a:xfrm>
-          <a:prstGeom prst="rect">
-            <a:avLst/>
-          </a:prstGeom>
-          <a:noFill/>
-          <a:ln>
-            <a:solidFill>
-              <a:schemeClr val="bg1"/>
-            </a:solidFill>
-          </a:ln>
-        </p:spPr>
-        <p:style>
-          <a:lnRef idx="2">
-            <a:schemeClr val="accent1">
-              <a:shade val="50000"/>
-            </a:schemeClr>
-          </a:lnRef>
-          <a:fillRef idx="1">
-            <a:schemeClr val="accent1"/>
-          </a:fillRef>
-          <a:effectRef idx="0">
-            <a:schemeClr val="accent1"/>
-          </a:effectRef>
-          <a:fontRef idx="minor">
-            <a:schemeClr val="lt1"/>
-          </a:fontRef>
-        </p:style>
-        <p:txBody>
-          <a:bodyPr rtlCol="0" anchor="ctr"/>
-          <a:lstStyle/>
-          <a:p>
-            <a:pPr algn="ctr"/>
-            <a:endParaRPr lang="da-DK">
-              <a:ln>
-                <a:solidFill>
-                  <a:schemeClr val="bg1"/>
-                </a:solidFill>
-              </a:ln>
-            </a:endParaRPr>
-          </a:p>
-        </p:txBody>
-      </p:sp>
-      <p:cxnSp>
-        <p:nvCxnSpPr>
-          <p:cNvPr id="24" name="Straight Arrow Connector 23"/>
-          <p:cNvCxnSpPr>
-            <a:stCxn id="11" idx="2"/>
-          </p:cNvCxnSpPr>
-          <p:nvPr/>
-        </p:nvCxnSpPr>
-        <p:spPr>
-          <a:xfrm flipH="1" flipV="1">
-            <a:off x="5824151" y="2095500"/>
-            <a:ext cx="223" cy="595288"/>
-          </a:xfrm>
-          <a:prstGeom prst="straightConnector1">
-            <a:avLst/>
-          </a:prstGeom>
-          <a:ln>
-            <a:solidFill>
-              <a:schemeClr val="bg1"/>
-            </a:solidFill>
-            <a:headEnd type="triangle" w="med" len="med"/>
-            <a:tailEnd type="triangle" w="med" len="med"/>
-          </a:ln>
-        </p:spPr>
-        <p:style>
-          <a:lnRef idx="1">
-            <a:schemeClr val="accent1"/>
-          </a:lnRef>
-          <a:fillRef idx="0">
-            <a:schemeClr val="accent1"/>
-          </a:fillRef>
-          <a:effectRef idx="0">
-            <a:schemeClr val="accent1"/>
-          </a:effectRef>
-          <a:fontRef idx="minor">
-            <a:schemeClr val="tx1"/>
-          </a:fontRef>
-        </p:style>
-      </p:cxnSp>
-      <p:cxnSp>
-        <p:nvCxnSpPr>
-          <p:cNvPr id="25" name="Straight Arrow Connector 24"/>
-          <p:cNvCxnSpPr>
-            <a:stCxn id="16" idx="1"/>
-            <a:endCxn id="11" idx="1"/>
-          </p:cNvCxnSpPr>
-          <p:nvPr/>
-        </p:nvCxnSpPr>
-        <p:spPr>
-          <a:xfrm flipH="1">
-            <a:off x="4984113" y="1845276"/>
-            <a:ext cx="491824" cy="0"/>
-          </a:xfrm>
-          <a:prstGeom prst="straightConnector1">
-            <a:avLst/>
-          </a:prstGeom>
-          <a:ln>
-            <a:solidFill>
-              <a:schemeClr val="bg1"/>
-            </a:solidFill>
-            <a:headEnd type="triangle" w="med" len="med"/>
-            <a:tailEnd type="triangle" w="med" len="med"/>
-          </a:ln>
-        </p:spPr>
-        <p:style>
-          <a:lnRef idx="1">
-            <a:schemeClr val="accent1"/>
-          </a:lnRef>
-          <a:fillRef idx="0">
-            <a:schemeClr val="accent1"/>
-          </a:fillRef>
-          <a:effectRef idx="0">
-            <a:schemeClr val="accent1"/>
-          </a:effectRef>
-          <a:fontRef idx="minor">
-            <a:schemeClr val="tx1"/>
-          </a:fontRef>
-        </p:style>
-      </p:cxnSp>
-      <p:sp>
-        <p:nvSpPr>
-          <p:cNvPr id="28" name="TextBox 27"/>
-          <p:cNvSpPr txBox="1"/>
-          <p:nvPr/>
-        </p:nvSpPr>
-        <p:spPr>
-          <a:xfrm>
-            <a:off x="5819835" y="2222613"/>
-            <a:ext cx="272832" cy="307777"/>
-          </a:xfrm>
-          <a:prstGeom prst="rect">
-            <a:avLst/>
-          </a:prstGeom>
-          <a:noFill/>
-        </p:spPr>
-        <p:txBody>
-          <a:bodyPr wrap="none" rtlCol="0">
-            <a:spAutoFit/>
-          </a:bodyPr>
-          <a:lstStyle/>
-          <a:p>
-            <a:r>
-              <a:rPr lang="da-DK" sz="1400" dirty="0" smtClean="0">
-                <a:solidFill>
-                  <a:schemeClr val="bg1"/>
-                </a:solidFill>
-              </a:rPr>
-              <a:t>Y</a:t>
-            </a:r>
-            <a:endParaRPr lang="da-DK" sz="1400" dirty="0">
-              <a:solidFill>
-                <a:schemeClr val="bg1"/>
-              </a:solidFill>
-            </a:endParaRPr>
-          </a:p>
-        </p:txBody>
-      </p:sp>
-      <p:sp>
-        <p:nvSpPr>
-          <p:cNvPr id="30" name="TextBox 29"/>
-          <p:cNvSpPr txBox="1"/>
-          <p:nvPr/>
-        </p:nvSpPr>
-        <p:spPr>
-          <a:xfrm>
-            <a:off x="5116552" y="1845276"/>
-            <a:ext cx="277640" cy="307777"/>
-          </a:xfrm>
-          <a:prstGeom prst="rect">
-            <a:avLst/>
-          </a:prstGeom>
-          <a:noFill/>
-        </p:spPr>
-        <p:txBody>
-          <a:bodyPr wrap="none" rtlCol="0">
-            <a:spAutoFit/>
-          </a:bodyPr>
-          <a:lstStyle/>
-          <a:p>
-            <a:r>
-              <a:rPr lang="da-DK" sz="1400" dirty="0">
-                <a:solidFill>
-                  <a:schemeClr val="bg1"/>
-                </a:solidFill>
-              </a:rPr>
-              <a:t>X</a:t>
-            </a:r>
-          </a:p>
-        </p:txBody>
-      </p:sp>
-      <p:sp>
-        <p:nvSpPr>
-          <p:cNvPr id="31" name="TextBox 30"/>
-          <p:cNvSpPr txBox="1"/>
-          <p:nvPr/>
-        </p:nvSpPr>
-        <p:spPr>
-          <a:xfrm>
-            <a:off x="3706677" y="1716099"/>
-            <a:ext cx="296876" cy="307777"/>
-          </a:xfrm>
-          <a:prstGeom prst="rect">
-            <a:avLst/>
-          </a:prstGeom>
-          <a:noFill/>
-        </p:spPr>
-        <p:txBody>
-          <a:bodyPr wrap="none" rtlCol="0">
-            <a:spAutoFit/>
-          </a:bodyPr>
-          <a:lstStyle/>
-          <a:p>
-            <a:r>
-              <a:rPr lang="da-DK" sz="1400" dirty="0"/>
-              <a:t>H</a:t>
-            </a:r>
-          </a:p>
-        </p:txBody>
-      </p:sp>
-      <p:cxnSp>
-        <p:nvCxnSpPr>
-          <p:cNvPr id="32" name="Straight Arrow Connector 31"/>
-          <p:cNvCxnSpPr/>
-          <p:nvPr/>
-        </p:nvCxnSpPr>
-        <p:spPr>
-          <a:xfrm flipH="1" flipV="1">
-            <a:off x="3741562" y="1595053"/>
-            <a:ext cx="8724" cy="500447"/>
-          </a:xfrm>
-          <a:prstGeom prst="straightConnector1">
-            <a:avLst/>
-          </a:prstGeom>
-          <a:ln>
-            <a:solidFill>
+              <a:headEnd type="triangle" w="med" len="med"/>
+              <a:tailEnd type="triangle" w="med" len="med"/>
+            </a:ln>
+          </p:spPr>
+          <p:style>
+            <a:lnRef idx="1">
+              <a:schemeClr val="accent1"/>
+            </a:lnRef>
+            <a:fillRef idx="0">
+              <a:schemeClr val="accent1"/>
+            </a:fillRef>
+            <a:effectRef idx="0">
+              <a:schemeClr val="accent1"/>
+            </a:effectRef>
+            <a:fontRef idx="minor">
               <a:schemeClr val="tx1"/>
-            </a:solidFill>
-            <a:headEnd type="triangle" w="med" len="med"/>
-            <a:tailEnd type="triangle" w="med" len="med"/>
-          </a:ln>
-        </p:spPr>
-        <p:style>
-          <a:lnRef idx="1">
-            <a:schemeClr val="accent1"/>
-          </a:lnRef>
-          <a:fillRef idx="0">
-            <a:schemeClr val="accent1"/>
-          </a:fillRef>
-          <a:effectRef idx="0">
-            <a:schemeClr val="accent1"/>
-          </a:effectRef>
-          <a:fontRef idx="minor">
-            <a:schemeClr val="tx1"/>
-          </a:fontRef>
-        </p:style>
-      </p:cxnSp>
-      <p:cxnSp>
-        <p:nvCxnSpPr>
-          <p:cNvPr id="37" name="Straight Arrow Connector 36"/>
-          <p:cNvCxnSpPr/>
-          <p:nvPr/>
-        </p:nvCxnSpPr>
-        <p:spPr>
-          <a:xfrm flipH="1">
-            <a:off x="2923930" y="2181316"/>
-            <a:ext cx="714295" cy="3085"/>
-          </a:xfrm>
-          <a:prstGeom prst="straightConnector1">
-            <a:avLst/>
-          </a:prstGeom>
-          <a:ln>
-            <a:solidFill>
-              <a:schemeClr val="tx1"/>
-            </a:solidFill>
-            <a:headEnd type="triangle" w="med" len="med"/>
-            <a:tailEnd type="triangle" w="med" len="med"/>
-          </a:ln>
-        </p:spPr>
-        <p:style>
-          <a:lnRef idx="1">
-            <a:schemeClr val="accent1"/>
-          </a:lnRef>
-          <a:fillRef idx="0">
-            <a:schemeClr val="accent1"/>
-          </a:fillRef>
-          <a:effectRef idx="0">
-            <a:schemeClr val="accent1"/>
-          </a:effectRef>
-          <a:fontRef idx="minor">
-            <a:schemeClr val="tx1"/>
-          </a:fontRef>
-        </p:style>
-      </p:cxnSp>
-      <p:sp>
-        <p:nvSpPr>
-          <p:cNvPr id="39" name="TextBox 38"/>
-          <p:cNvSpPr txBox="1"/>
-          <p:nvPr/>
-        </p:nvSpPr>
-        <p:spPr>
-          <a:xfrm>
-            <a:off x="3131667" y="2192413"/>
-            <a:ext cx="344966" cy="307777"/>
-          </a:xfrm>
-          <a:prstGeom prst="rect">
-            <a:avLst/>
-          </a:prstGeom>
-          <a:noFill/>
-        </p:spPr>
-        <p:txBody>
-          <a:bodyPr wrap="none" rtlCol="0">
-            <a:spAutoFit/>
-          </a:bodyPr>
-          <a:lstStyle/>
-          <a:p>
-            <a:r>
-              <a:rPr lang="da-DK" sz="1400" dirty="0" smtClean="0"/>
-              <a:t>W</a:t>
-            </a:r>
-            <a:endParaRPr lang="da-DK" sz="1400" dirty="0"/>
-          </a:p>
-        </p:txBody>
-      </p:sp>
+            </a:fontRef>
+          </p:style>
+        </p:cxnSp>
+        <p:sp>
+          <p:nvSpPr>
+            <p:cNvPr id="39" name="TextBox 38"/>
+            <p:cNvSpPr txBox="1"/>
+            <p:nvPr/>
+          </p:nvSpPr>
+          <p:spPr>
+            <a:xfrm>
+              <a:off x="3131667" y="2192413"/>
+              <a:ext cx="344966" cy="307777"/>
+            </a:xfrm>
+            <a:prstGeom prst="rect">
+              <a:avLst/>
+            </a:prstGeom>
+            <a:noFill/>
+          </p:spPr>
+          <p:txBody>
+            <a:bodyPr wrap="none" rtlCol="0">
+              <a:spAutoFit/>
+            </a:bodyPr>
+            <a:lstStyle/>
+            <a:p>
+              <a:r>
+                <a:rPr lang="da-DK" sz="1400" dirty="0" smtClean="0"/>
+                <a:t>W</a:t>
+              </a:r>
+              <a:endParaRPr lang="da-DK" sz="1400" dirty="0"/>
+            </a:p>
+          </p:txBody>
+        </p:sp>
+      </p:grpSp>
       <p:sp>
         <p:nvSpPr>
           <p:cNvPr id="15" name="Arc 14"/>
@@ -3587,7 +3292,7 @@
               <a:gd name="adj2" fmla="val 0"/>
             </a:avLst>
           </a:prstGeom>
-          <a:ln w="38100">
+          <a:ln w="76200">
             <a:solidFill>
               <a:schemeClr val="accent6"/>
             </a:solidFill>
@@ -3618,34 +3323,357 @@
           </a:p>
         </p:txBody>
       </p:sp>
-      <p:pic>
-        <p:nvPicPr>
-          <p:cNvPr id="29" name="Picture 28"/>
-          <p:cNvPicPr>
-            <a:picLocks noChangeAspect="1"/>
-          </p:cNvPicPr>
+      <p:grpSp>
+        <p:nvGrpSpPr>
+          <p:cNvPr id="2" name="Group 1"/>
+          <p:cNvGrpSpPr/>
           <p:nvPr/>
-        </p:nvPicPr>
-        <p:blipFill rotWithShape="1">
-          <a:blip r:embed="rId2"/>
-          <a:srcRect l="29280" t="35203" r="28100" b="35203"/>
-          <a:stretch/>
-        </p:blipFill>
-        <p:spPr>
+        </p:nvGrpSpPr>
+        <p:grpSpPr>
           <a:xfrm>
-            <a:off x="5475937" y="1595052"/>
-            <a:ext cx="716240" cy="500448"/>
+            <a:off x="4984113" y="614642"/>
+            <a:ext cx="2439480" cy="3013778"/>
+            <a:chOff x="4984113" y="614642"/>
+            <a:chExt cx="1680521" cy="2076146"/>
           </a:xfrm>
-          <a:prstGeom prst="rect">
-            <a:avLst/>
-          </a:prstGeom>
-          <a:ln w="6350">
-            <a:solidFill>
-              <a:schemeClr val="bg1"/>
-            </a:solidFill>
-          </a:ln>
-        </p:spPr>
-      </p:pic>
+        </p:grpSpPr>
+        <p:pic>
+          <p:nvPicPr>
+            <p:cNvPr id="11" name="Picture 10"/>
+            <p:cNvPicPr>
+              <a:picLocks noChangeAspect="1"/>
+            </p:cNvPicPr>
+            <p:nvPr/>
+          </p:nvPicPr>
+          <p:blipFill>
+            <a:blip r:embed="rId2">
+              <a:grayscl/>
+            </a:blip>
+            <a:stretch>
+              <a:fillRect/>
+            </a:stretch>
+          </p:blipFill>
+          <p:spPr>
+            <a:xfrm>
+              <a:off x="4984113" y="999764"/>
+              <a:ext cx="1680521" cy="1691024"/>
+            </a:xfrm>
+            <a:prstGeom prst="rect">
+              <a:avLst/>
+            </a:prstGeom>
+          </p:spPr>
+        </p:pic>
+        <p:sp>
+          <p:nvSpPr>
+            <p:cNvPr id="13" name="TextBox 12"/>
+            <p:cNvSpPr txBox="1"/>
+            <p:nvPr/>
+          </p:nvSpPr>
+          <p:spPr>
+            <a:xfrm>
+              <a:off x="5531040" y="614642"/>
+              <a:ext cx="606031" cy="254427"/>
+            </a:xfrm>
+            <a:prstGeom prst="rect">
+              <a:avLst/>
+            </a:prstGeom>
+            <a:noFill/>
+          </p:spPr>
+          <p:txBody>
+            <a:bodyPr wrap="none" rtlCol="0">
+              <a:spAutoFit/>
+            </a:bodyPr>
+            <a:lstStyle/>
+            <a:p>
+              <a:pPr algn="ctr"/>
+              <a:r>
+                <a:rPr lang="en-US" dirty="0" smtClean="0"/>
+                <a:t>Texture</a:t>
+              </a:r>
+              <a:endParaRPr lang="en-US" dirty="0"/>
+            </a:p>
+          </p:txBody>
+        </p:sp>
+        <p:sp>
+          <p:nvSpPr>
+            <p:cNvPr id="14" name="TextBox 13"/>
+            <p:cNvSpPr txBox="1"/>
+            <p:nvPr/>
+          </p:nvSpPr>
+          <p:spPr>
+            <a:xfrm>
+              <a:off x="5479274" y="1283273"/>
+              <a:ext cx="798398" cy="254427"/>
+            </a:xfrm>
+            <a:prstGeom prst="rect">
+              <a:avLst/>
+            </a:prstGeom>
+            <a:noFill/>
+          </p:spPr>
+          <p:txBody>
+            <a:bodyPr wrap="none" rtlCol="0">
+              <a:spAutoFit/>
+            </a:bodyPr>
+            <a:lstStyle/>
+            <a:p>
+              <a:pPr algn="ctr"/>
+              <a:r>
+                <a:rPr lang="en-US" dirty="0" smtClean="0">
+                  <a:ln>
+                    <a:solidFill>
+                      <a:schemeClr val="bg1"/>
+                    </a:solidFill>
+                  </a:ln>
+                  <a:solidFill>
+                    <a:schemeClr val="bg1"/>
+                  </a:solidFill>
+                </a:rPr>
+                <a:t>RawImage</a:t>
+              </a:r>
+              <a:endParaRPr lang="en-US" dirty="0">
+                <a:ln>
+                  <a:solidFill>
+                    <a:schemeClr val="bg1"/>
+                  </a:solidFill>
+                </a:ln>
+                <a:solidFill>
+                  <a:schemeClr val="bg1"/>
+                </a:solidFill>
+              </a:endParaRPr>
+            </a:p>
+          </p:txBody>
+        </p:sp>
+        <p:sp>
+          <p:nvSpPr>
+            <p:cNvPr id="16" name="Rectangle 15"/>
+            <p:cNvSpPr/>
+            <p:nvPr/>
+          </p:nvSpPr>
+          <p:spPr>
+            <a:xfrm>
+              <a:off x="5475937" y="1595052"/>
+              <a:ext cx="716239" cy="500448"/>
+            </a:xfrm>
+            <a:prstGeom prst="rect">
+              <a:avLst/>
+            </a:prstGeom>
+            <a:noFill/>
+            <a:ln>
+              <a:solidFill>
+                <a:schemeClr val="bg1"/>
+              </a:solidFill>
+            </a:ln>
+          </p:spPr>
+          <p:style>
+            <a:lnRef idx="2">
+              <a:schemeClr val="accent1">
+                <a:shade val="50000"/>
+              </a:schemeClr>
+            </a:lnRef>
+            <a:fillRef idx="1">
+              <a:schemeClr val="accent1"/>
+            </a:fillRef>
+            <a:effectRef idx="0">
+              <a:schemeClr val="accent1"/>
+            </a:effectRef>
+            <a:fontRef idx="minor">
+              <a:schemeClr val="lt1"/>
+            </a:fontRef>
+          </p:style>
+          <p:txBody>
+            <a:bodyPr rtlCol="0" anchor="ctr"/>
+            <a:lstStyle/>
+            <a:p>
+              <a:pPr algn="ctr"/>
+              <a:endParaRPr lang="da-DK">
+                <a:ln>
+                  <a:solidFill>
+                    <a:schemeClr val="bg1"/>
+                  </a:solidFill>
+                </a:ln>
+              </a:endParaRPr>
+            </a:p>
+          </p:txBody>
+        </p:sp>
+        <p:cxnSp>
+          <p:nvCxnSpPr>
+            <p:cNvPr id="24" name="Straight Arrow Connector 23"/>
+            <p:cNvCxnSpPr>
+              <a:stCxn id="11" idx="2"/>
+            </p:cNvCxnSpPr>
+            <p:nvPr/>
+          </p:nvCxnSpPr>
+          <p:spPr>
+            <a:xfrm flipH="1" flipV="1">
+              <a:off x="5824151" y="2095500"/>
+              <a:ext cx="223" cy="595288"/>
+            </a:xfrm>
+            <a:prstGeom prst="straightConnector1">
+              <a:avLst/>
+            </a:prstGeom>
+            <a:ln>
+              <a:solidFill>
+                <a:schemeClr val="bg1"/>
+              </a:solidFill>
+              <a:headEnd type="triangle" w="med" len="med"/>
+              <a:tailEnd type="triangle" w="med" len="med"/>
+            </a:ln>
+          </p:spPr>
+          <p:style>
+            <a:lnRef idx="1">
+              <a:schemeClr val="accent1"/>
+            </a:lnRef>
+            <a:fillRef idx="0">
+              <a:schemeClr val="accent1"/>
+            </a:fillRef>
+            <a:effectRef idx="0">
+              <a:schemeClr val="accent1"/>
+            </a:effectRef>
+            <a:fontRef idx="minor">
+              <a:schemeClr val="tx1"/>
+            </a:fontRef>
+          </p:style>
+        </p:cxnSp>
+        <p:cxnSp>
+          <p:nvCxnSpPr>
+            <p:cNvPr id="25" name="Straight Arrow Connector 24"/>
+            <p:cNvCxnSpPr>
+              <a:stCxn id="16" idx="1"/>
+              <a:endCxn id="11" idx="1"/>
+            </p:cNvCxnSpPr>
+            <p:nvPr/>
+          </p:nvCxnSpPr>
+          <p:spPr>
+            <a:xfrm flipH="1">
+              <a:off x="4984113" y="1845276"/>
+              <a:ext cx="491824" cy="0"/>
+            </a:xfrm>
+            <a:prstGeom prst="straightConnector1">
+              <a:avLst/>
+            </a:prstGeom>
+            <a:ln>
+              <a:solidFill>
+                <a:schemeClr val="bg1"/>
+              </a:solidFill>
+              <a:headEnd type="triangle" w="med" len="med"/>
+              <a:tailEnd type="triangle" w="med" len="med"/>
+            </a:ln>
+          </p:spPr>
+          <p:style>
+            <a:lnRef idx="1">
+              <a:schemeClr val="accent1"/>
+            </a:lnRef>
+            <a:fillRef idx="0">
+              <a:schemeClr val="accent1"/>
+            </a:fillRef>
+            <a:effectRef idx="0">
+              <a:schemeClr val="accent1"/>
+            </a:effectRef>
+            <a:fontRef idx="minor">
+              <a:schemeClr val="tx1"/>
+            </a:fontRef>
+          </p:style>
+        </p:cxnSp>
+        <p:sp>
+          <p:nvSpPr>
+            <p:cNvPr id="28" name="TextBox 27"/>
+            <p:cNvSpPr txBox="1"/>
+            <p:nvPr/>
+          </p:nvSpPr>
+          <p:spPr>
+            <a:xfrm>
+              <a:off x="5819835" y="2222613"/>
+              <a:ext cx="272832" cy="307777"/>
+            </a:xfrm>
+            <a:prstGeom prst="rect">
+              <a:avLst/>
+            </a:prstGeom>
+            <a:noFill/>
+          </p:spPr>
+          <p:txBody>
+            <a:bodyPr wrap="none" rtlCol="0">
+              <a:spAutoFit/>
+            </a:bodyPr>
+            <a:lstStyle/>
+            <a:p>
+              <a:r>
+                <a:rPr lang="da-DK" sz="1400" dirty="0" smtClean="0">
+                  <a:solidFill>
+                    <a:schemeClr val="bg1"/>
+                  </a:solidFill>
+                </a:rPr>
+                <a:t>Y</a:t>
+              </a:r>
+              <a:endParaRPr lang="da-DK" sz="1400" dirty="0">
+                <a:solidFill>
+                  <a:schemeClr val="bg1"/>
+                </a:solidFill>
+              </a:endParaRPr>
+            </a:p>
+          </p:txBody>
+        </p:sp>
+        <p:sp>
+          <p:nvSpPr>
+            <p:cNvPr id="30" name="TextBox 29"/>
+            <p:cNvSpPr txBox="1"/>
+            <p:nvPr/>
+          </p:nvSpPr>
+          <p:spPr>
+            <a:xfrm>
+              <a:off x="5116552" y="1845276"/>
+              <a:ext cx="277640" cy="307777"/>
+            </a:xfrm>
+            <a:prstGeom prst="rect">
+              <a:avLst/>
+            </a:prstGeom>
+            <a:noFill/>
+          </p:spPr>
+          <p:txBody>
+            <a:bodyPr wrap="none" rtlCol="0">
+              <a:spAutoFit/>
+            </a:bodyPr>
+            <a:lstStyle/>
+            <a:p>
+              <a:r>
+                <a:rPr lang="da-DK" sz="1400" dirty="0">
+                  <a:solidFill>
+                    <a:schemeClr val="bg1"/>
+                  </a:solidFill>
+                </a:rPr>
+                <a:t>X</a:t>
+              </a:r>
+            </a:p>
+          </p:txBody>
+        </p:sp>
+        <p:pic>
+          <p:nvPicPr>
+            <p:cNvPr id="29" name="Picture 28"/>
+            <p:cNvPicPr>
+              <a:picLocks noChangeAspect="1"/>
+            </p:cNvPicPr>
+            <p:nvPr/>
+          </p:nvPicPr>
+          <p:blipFill rotWithShape="1">
+            <a:blip r:embed="rId2"/>
+            <a:srcRect l="29280" t="35203" r="28100" b="35203"/>
+            <a:stretch/>
+          </p:blipFill>
+          <p:spPr>
+            <a:xfrm>
+              <a:off x="5475937" y="1595052"/>
+              <a:ext cx="716240" cy="500448"/>
+            </a:xfrm>
+            <a:prstGeom prst="rect">
+              <a:avLst/>
+            </a:prstGeom>
+            <a:ln w="6350">
+              <a:solidFill>
+                <a:schemeClr val="bg1"/>
+              </a:solidFill>
+            </a:ln>
+          </p:spPr>
+        </p:pic>
+      </p:grpSp>
       <p:pic>
         <p:nvPicPr>
           <p:cNvPr id="1026" name="Picture 2" descr="C:\Users\AndersBender\AppData\Roaming\Skype\andersbender\media_messaging\media_cache\^C75C861C0FD1C9755CF372CCCD7186E38CC5145320485A89DC^pimgpsh_fullsize_distr.jpg"/>
@@ -3669,7 +3697,7 @@
         </p:blipFill>
         <p:spPr bwMode="auto">
           <a:xfrm>
-            <a:off x="8207287" y="788525"/>
+            <a:off x="7950915" y="1475375"/>
             <a:ext cx="3643305" cy="1948745"/>
           </a:xfrm>
           <a:prstGeom prst="rect">
@@ -3695,7 +3723,7 @@
         </p:nvSpPr>
         <p:spPr>
           <a:xfrm>
-            <a:off x="6092667" y="1549028"/>
+            <a:off x="6395289" y="2248204"/>
             <a:ext cx="2764730" cy="673586"/>
           </a:xfrm>
           <a:prstGeom prst="arc">
@@ -3704,7 +3732,7 @@
               <a:gd name="adj2" fmla="val 0"/>
             </a:avLst>
           </a:prstGeom>
-          <a:ln w="57150">
+          <a:ln w="76200">
             <a:solidFill>
               <a:schemeClr val="accent6"/>
             </a:solidFill>
@@ -3735,6 +3763,42 @@
           </a:p>
         </p:txBody>
       </p:sp>
+      <p:cxnSp>
+        <p:nvCxnSpPr>
+          <p:cNvPr id="7" name="Straight Arrow Connector 6"/>
+          <p:cNvCxnSpPr/>
+          <p:nvPr/>
+        </p:nvCxnSpPr>
+        <p:spPr>
+          <a:xfrm>
+            <a:off x="4554153" y="2232690"/>
+            <a:ext cx="733168" cy="0"/>
+          </a:xfrm>
+          <a:prstGeom prst="straightConnector1">
+            <a:avLst/>
+          </a:prstGeom>
+          <a:ln w="76200">
+            <a:solidFill>
+              <a:schemeClr val="accent6"/>
+            </a:solidFill>
+            <a:tailEnd type="triangle"/>
+          </a:ln>
+        </p:spPr>
+        <p:style>
+          <a:lnRef idx="1">
+            <a:schemeClr val="accent1"/>
+          </a:lnRef>
+          <a:fillRef idx="0">
+            <a:schemeClr val="accent1"/>
+          </a:fillRef>
+          <a:effectRef idx="0">
+            <a:schemeClr val="accent1"/>
+          </a:effectRef>
+          <a:fontRef idx="minor">
+            <a:schemeClr val="tx1"/>
+          </a:fontRef>
+        </p:style>
+      </p:cxnSp>
     </p:spTree>
     <p:extLst>
       <p:ext uri="{BB962C8B-B14F-4D97-AF65-F5344CB8AC3E}">
@@ -4572,7 +4636,7 @@
   <a:extraClrSchemeLst/>
   <a:extLst>
     <a:ext uri="{05A4C25C-085E-4340-85A3-A5531E510DB2}">
-      <thm15:themeFamily xmlns:thm15="http://schemas.microsoft.com/office/thememl/2012/main" xmlns="" name="Office Theme" id="{62F939B6-93AF-4DB8-9C6B-D6C7DFDC589F}" vid="{4A3C46E8-61CC-4603-A589-7422A47A8E4A}"/>
+      <thm15:themeFamily xmlns:thm15="http://schemas.microsoft.com/office/thememl/2012/main" name="Office Theme" id="{62F939B6-93AF-4DB8-9C6B-D6C7DFDC589F}" vid="{4A3C46E8-61CC-4603-A589-7422A47A8E4A}"/>
     </a:ext>
   </a:extLst>
 </a:theme>
